--- a/project_resources/Final_Presentation/Bytementor_Final_Presentation.pptx
+++ b/project_resources/Final_Presentation/Bytementor_Final_Presentation.pptx
@@ -5,7 +5,7 @@
     <p:sldMasterId id="2147483648" r:id="rId1"/>
   </p:sldMasterIdLst>
   <p:notesMasterIdLst>
-    <p:notesMasterId r:id="rId10"/>
+    <p:notesMasterId r:id="rId11"/>
   </p:notesMasterIdLst>
   <p:sldIdLst>
     <p:sldId id="256" r:id="rId2"/>
@@ -13,9 +13,10 @@
     <p:sldId id="265" r:id="rId4"/>
     <p:sldId id="260" r:id="rId5"/>
     <p:sldId id="262" r:id="rId6"/>
-    <p:sldId id="261" r:id="rId7"/>
-    <p:sldId id="263" r:id="rId8"/>
-    <p:sldId id="264" r:id="rId9"/>
+    <p:sldId id="267" r:id="rId7"/>
+    <p:sldId id="261" r:id="rId8"/>
+    <p:sldId id="263" r:id="rId9"/>
+    <p:sldId id="264" r:id="rId10"/>
   </p:sldIdLst>
   <p:sldSz cx="12192000" cy="6858000"/>
   <p:notesSz cx="6858000" cy="9144000"/>
@@ -4605,13 +4606,13 @@
   <p:clrMapOvr>
     <a:masterClrMapping/>
   </p:clrMapOvr>
-  <mc:AlternateContent xmlns:mc="http://schemas.openxmlformats.org/markup-compatibility/2006">
-    <mc:Choice xmlns:p159="http://schemas.microsoft.com/office/powerpoint/2015/09/main" Requires="p159">
+  <mc:AlternateContent xmlns:mc="http://schemas.openxmlformats.org/markup-compatibility/2006" xmlns:p159="http://schemas.microsoft.com/office/powerpoint/2015/09/main">
+    <mc:Choice Requires="p159">
       <p:transition xmlns:p14="http://schemas.microsoft.com/office/powerpoint/2010/main" spd="slow" p14:dur="2000">
         <p159:morph option="byObject"/>
       </p:transition>
     </mc:Choice>
-    <mc:Fallback>
+    <mc:Fallback xmlns="">
       <p:transition spd="slow">
         <p:fade/>
       </p:transition>
@@ -5416,6 +5417,457 @@
         <p:cNvPr id="1" name="">
           <a:extLst>
             <a:ext uri="{FF2B5EF4-FFF2-40B4-BE49-F238E27FC236}">
+              <a16:creationId xmlns:a16="http://schemas.microsoft.com/office/drawing/2014/main" id="{7119253D-0CE1-FB36-5E8C-13AA1C7167A2}"/>
+            </a:ext>
+          </a:extLst>
+        </p:cNvPr>
+        <p:cNvGrpSpPr/>
+        <p:nvPr/>
+      </p:nvGrpSpPr>
+      <p:grpSpPr>
+        <a:xfrm>
+          <a:off x="0" y="0"/>
+          <a:ext cx="0" cy="0"/>
+          <a:chOff x="0" y="0"/>
+          <a:chExt cx="0" cy="0"/>
+        </a:xfrm>
+      </p:grpSpPr>
+      <p:sp>
+        <p:nvSpPr>
+          <p:cNvPr id="2" name="Titel 1">
+            <a:extLst>
+              <a:ext uri="{FF2B5EF4-FFF2-40B4-BE49-F238E27FC236}">
+                <a16:creationId xmlns:a16="http://schemas.microsoft.com/office/drawing/2014/main" id="{5C629E46-2C48-A851-261E-D8CA03F2DD5B}"/>
+              </a:ext>
+            </a:extLst>
+          </p:cNvPr>
+          <p:cNvSpPr>
+            <a:spLocks noGrp="1"/>
+          </p:cNvSpPr>
+          <p:nvPr>
+            <p:ph type="title"/>
+          </p:nvPr>
+        </p:nvSpPr>
+        <p:spPr/>
+        <p:txBody>
+          <a:bodyPr/>
+          <a:lstStyle/>
+          <a:p>
+            <a:r>
+              <a:rPr lang="de-CH" b="1" dirty="0"/>
+              <a:t>Model - Training</a:t>
+            </a:r>
+          </a:p>
+        </p:txBody>
+      </p:sp>
+      <p:sp>
+        <p:nvSpPr>
+          <p:cNvPr id="3" name="Inhaltsplatzhalter 2">
+            <a:extLst>
+              <a:ext uri="{FF2B5EF4-FFF2-40B4-BE49-F238E27FC236}">
+                <a16:creationId xmlns:a16="http://schemas.microsoft.com/office/drawing/2014/main" id="{E6209160-2371-D455-CE82-58FFE416D360}"/>
+              </a:ext>
+            </a:extLst>
+          </p:cNvPr>
+          <p:cNvSpPr>
+            <a:spLocks noGrp="1"/>
+          </p:cNvSpPr>
+          <p:nvPr>
+            <p:ph idx="1"/>
+          </p:nvPr>
+        </p:nvSpPr>
+        <p:spPr>
+          <a:xfrm>
+            <a:off x="796150" y="1825625"/>
+            <a:ext cx="10515600" cy="4351338"/>
+          </a:xfrm>
+        </p:spPr>
+        <p:txBody>
+          <a:bodyPr/>
+          <a:lstStyle/>
+          <a:p>
+            <a:pPr>
+              <a:buNone/>
+            </a:pPr>
+            <a:r>
+              <a:rPr lang="de-CH" sz="1800" dirty="0"/>
+              <a:t>1. Schneller Test: </a:t>
+            </a:r>
+            <a:r>
+              <a:rPr lang="de-CH" sz="1800" dirty="0">
+                <a:solidFill>
+                  <a:schemeClr val="tx2">
+                    <a:lumMod val="50000"/>
+                    <a:lumOff val="50000"/>
+                  </a:schemeClr>
+                </a:solidFill>
+              </a:rPr>
+              <a:t>rate01-50</a:t>
+            </a:r>
+            <a:endParaRPr lang="en-US" sz="1800" dirty="0">
+              <a:solidFill>
+                <a:schemeClr val="tx2">
+                  <a:lumMod val="50000"/>
+                  <a:lumOff val="50000"/>
+                </a:schemeClr>
+              </a:solidFill>
+            </a:endParaRPr>
+          </a:p>
+          <a:p>
+            <a:pPr>
+              <a:buFont typeface="Arial" panose="020B0604020202020204" pitchFamily="34" charset="0"/>
+              <a:buChar char="•"/>
+            </a:pPr>
+            <a:r>
+              <a:rPr lang="en-US" sz="1800" b="1" dirty="0"/>
+              <a:t>Learning Rate</a:t>
+            </a:r>
+            <a:r>
+              <a:rPr lang="en-US" sz="1800" dirty="0"/>
+              <a:t>: 0.1</a:t>
+            </a:r>
+          </a:p>
+          <a:p>
+            <a:pPr>
+              <a:buFont typeface="Arial" panose="020B0604020202020204" pitchFamily="34" charset="0"/>
+              <a:buChar char="•"/>
+            </a:pPr>
+            <a:r>
+              <a:rPr lang="en-US" sz="1800" b="1" dirty="0"/>
+              <a:t>Training Steps</a:t>
+            </a:r>
+            <a:r>
+              <a:rPr lang="en-US" sz="1800" dirty="0"/>
+              <a:t>: 50</a:t>
+            </a:r>
+          </a:p>
+          <a:p>
+            <a:pPr marL="0" indent="0">
+              <a:buNone/>
+            </a:pPr>
+            <a:r>
+              <a:rPr lang="de-CH" sz="1800" dirty="0"/>
+              <a:t>2. Kleine </a:t>
+            </a:r>
+            <a:r>
+              <a:rPr lang="de-CH" sz="1800" dirty="0" err="1"/>
+              <a:t>learning</a:t>
+            </a:r>
+            <a:r>
+              <a:rPr lang="de-CH" sz="1800" dirty="0"/>
+              <a:t>-rate und wenig </a:t>
+            </a:r>
+            <a:r>
+              <a:rPr lang="de-CH" sz="1800" dirty="0" err="1"/>
+              <a:t>steps</a:t>
+            </a:r>
+            <a:r>
+              <a:rPr lang="de-CH" sz="1800" dirty="0"/>
+              <a:t>: </a:t>
+            </a:r>
+            <a:r>
+              <a:rPr lang="de-CH" sz="1800" dirty="0">
+                <a:solidFill>
+                  <a:srgbClr val="FF0000"/>
+                </a:solidFill>
+              </a:rPr>
+              <a:t>rate2e-4-500</a:t>
+            </a:r>
+          </a:p>
+          <a:p>
+            <a:pPr>
+              <a:buFont typeface="Arial" panose="020B0604020202020204" pitchFamily="34" charset="0"/>
+              <a:buChar char="•"/>
+            </a:pPr>
+            <a:r>
+              <a:rPr lang="en-US" sz="1800" b="1" dirty="0"/>
+              <a:t>Learning Rate</a:t>
+            </a:r>
+            <a:r>
+              <a:rPr lang="en-US" sz="1800" dirty="0"/>
+              <a:t>: 0.0002</a:t>
+            </a:r>
+          </a:p>
+          <a:p>
+            <a:pPr>
+              <a:buFont typeface="Arial" panose="020B0604020202020204" pitchFamily="34" charset="0"/>
+              <a:buChar char="•"/>
+            </a:pPr>
+            <a:r>
+              <a:rPr lang="en-US" sz="1800" b="1" dirty="0"/>
+              <a:t>Training Steps</a:t>
+            </a:r>
+            <a:r>
+              <a:rPr lang="en-US" sz="1800" dirty="0"/>
+              <a:t>: 500</a:t>
+            </a:r>
+          </a:p>
+          <a:p>
+            <a:pPr marL="0" indent="0">
+              <a:buNone/>
+            </a:pPr>
+            <a:r>
+              <a:rPr lang="de-CH" sz="1800" dirty="0"/>
+              <a:t>3. Hohe </a:t>
+            </a:r>
+            <a:r>
+              <a:rPr lang="de-CH" sz="1800" dirty="0" err="1"/>
+              <a:t>learning</a:t>
+            </a:r>
+            <a:r>
+              <a:rPr lang="de-CH" sz="1800" dirty="0"/>
+              <a:t>-rate und viele </a:t>
+            </a:r>
+            <a:r>
+              <a:rPr lang="de-CH" sz="1800" dirty="0" err="1"/>
+              <a:t>steps</a:t>
+            </a:r>
+            <a:r>
+              <a:rPr lang="de-CH" sz="1800" dirty="0"/>
+              <a:t>: </a:t>
+            </a:r>
+            <a:r>
+              <a:rPr lang="de-CH" sz="1800" dirty="0">
+                <a:solidFill>
+                  <a:schemeClr val="accent3">
+                    <a:lumMod val="60000"/>
+                    <a:lumOff val="40000"/>
+                  </a:schemeClr>
+                </a:solidFill>
+              </a:rPr>
+              <a:t>rate2-2-10’000</a:t>
+            </a:r>
+            <a:r>
+              <a:rPr lang="de-CH" sz="1800" dirty="0"/>
+              <a:t> (</a:t>
+            </a:r>
+            <a:r>
+              <a:rPr lang="de-CH" sz="1800" dirty="0" err="1"/>
+              <a:t>runtime</a:t>
+            </a:r>
+            <a:r>
+              <a:rPr lang="de-CH" sz="1800" dirty="0"/>
+              <a:t>: 48h)</a:t>
+            </a:r>
+          </a:p>
+          <a:p>
+            <a:pPr>
+              <a:buFont typeface="Arial" panose="020B0604020202020204" pitchFamily="34" charset="0"/>
+              <a:buChar char="•"/>
+            </a:pPr>
+            <a:r>
+              <a:rPr lang="en-US" sz="1800" b="1" dirty="0"/>
+              <a:t>Learning Rate</a:t>
+            </a:r>
+            <a:r>
+              <a:rPr lang="en-US" sz="1800" dirty="0"/>
+              <a:t>: 0.02</a:t>
+            </a:r>
+          </a:p>
+          <a:p>
+            <a:pPr>
+              <a:buFont typeface="Arial" panose="020B0604020202020204" pitchFamily="34" charset="0"/>
+              <a:buChar char="•"/>
+            </a:pPr>
+            <a:r>
+              <a:rPr lang="en-US" sz="1800" b="1" dirty="0"/>
+              <a:t>Training Steps</a:t>
+            </a:r>
+            <a:r>
+              <a:rPr lang="en-US" sz="1800" dirty="0"/>
+              <a:t>: 10’000</a:t>
+            </a:r>
+          </a:p>
+          <a:p>
+            <a:pPr marL="0" indent="0">
+              <a:buNone/>
+            </a:pPr>
+            <a:endParaRPr lang="de-CH" dirty="0"/>
+          </a:p>
+          <a:p>
+            <a:endParaRPr lang="de-CH" dirty="0"/>
+          </a:p>
+          <a:p>
+            <a:endParaRPr lang="de-CH" dirty="0"/>
+          </a:p>
+        </p:txBody>
+      </p:sp>
+      <p:pic>
+        <p:nvPicPr>
+          <p:cNvPr id="4" name="Grafik 3" descr="Fuchs mit einfarbiger Füllung">
+            <a:extLst>
+              <a:ext uri="{FF2B5EF4-FFF2-40B4-BE49-F238E27FC236}">
+                <a16:creationId xmlns:a16="http://schemas.microsoft.com/office/drawing/2014/main" id="{E6CBDB3C-83DB-07E8-0178-A37E591D437B}"/>
+              </a:ext>
+            </a:extLst>
+          </p:cNvPr>
+          <p:cNvPicPr>
+            <a:picLocks noChangeAspect="1"/>
+          </p:cNvPicPr>
+          <p:nvPr/>
+        </p:nvPicPr>
+        <p:blipFill>
+          <a:blip r:embed="rId2">
+            <a:extLst>
+              <a:ext uri="{96DAC541-7B7A-43D3-8B79-37D633B846F1}">
+                <asvg:svgBlip xmlns:asvg="http://schemas.microsoft.com/office/drawing/2016/SVG/main" r:embed="rId3"/>
+              </a:ext>
+            </a:extLst>
+          </a:blip>
+          <a:stretch>
+            <a:fillRect/>
+          </a:stretch>
+        </p:blipFill>
+        <p:spPr>
+          <a:xfrm rot="234317" flipH="1">
+            <a:off x="-2580416" y="1976238"/>
+            <a:ext cx="9027915" cy="9027915"/>
+          </a:xfrm>
+          <a:prstGeom prst="rect">
+            <a:avLst/>
+          </a:prstGeom>
+        </p:spPr>
+      </p:pic>
+      <p:pic>
+        <p:nvPicPr>
+          <p:cNvPr id="5" name="Grafik 4" descr="Fuchs mit einfarbiger Füllung">
+            <a:extLst>
+              <a:ext uri="{FF2B5EF4-FFF2-40B4-BE49-F238E27FC236}">
+                <a16:creationId xmlns:a16="http://schemas.microsoft.com/office/drawing/2014/main" id="{5402A3D8-5E27-5A8F-E156-7F185E2D7F9D}"/>
+              </a:ext>
+            </a:extLst>
+          </p:cNvPr>
+          <p:cNvPicPr>
+            <a:picLocks noChangeAspect="1"/>
+          </p:cNvPicPr>
+          <p:nvPr/>
+        </p:nvPicPr>
+        <p:blipFill>
+          <a:blip r:embed="rId4">
+            <a:extLst>
+              <a:ext uri="{96DAC541-7B7A-43D3-8B79-37D633B846F1}">
+                <asvg:svgBlip xmlns:asvg="http://schemas.microsoft.com/office/drawing/2016/SVG/main" r:embed="rId5"/>
+              </a:ext>
+            </a:extLst>
+          </a:blip>
+          <a:stretch>
+            <a:fillRect/>
+          </a:stretch>
+        </p:blipFill>
+        <p:spPr>
+          <a:xfrm>
+            <a:off x="-367773" y="4220041"/>
+            <a:ext cx="3671668" cy="3671668"/>
+          </a:xfrm>
+          <a:prstGeom prst="rect">
+            <a:avLst/>
+          </a:prstGeom>
+        </p:spPr>
+      </p:pic>
+      <p:pic>
+        <p:nvPicPr>
+          <p:cNvPr id="6" name="Grafik 5" descr="Fuchs mit einfarbiger Füllung">
+            <a:extLst>
+              <a:ext uri="{FF2B5EF4-FFF2-40B4-BE49-F238E27FC236}">
+                <a16:creationId xmlns:a16="http://schemas.microsoft.com/office/drawing/2014/main" id="{8B14ADD1-501E-48F7-1D99-616AE849AD5D}"/>
+              </a:ext>
+            </a:extLst>
+          </p:cNvPr>
+          <p:cNvPicPr>
+            <a:picLocks noChangeAspect="1"/>
+          </p:cNvPicPr>
+          <p:nvPr/>
+        </p:nvPicPr>
+        <p:blipFill>
+          <a:blip r:embed="rId4">
+            <a:extLst>
+              <a:ext uri="{96DAC541-7B7A-43D3-8B79-37D633B846F1}">
+                <asvg:svgBlip xmlns:asvg="http://schemas.microsoft.com/office/drawing/2016/SVG/main" r:embed="rId5"/>
+              </a:ext>
+            </a:extLst>
+          </a:blip>
+          <a:stretch>
+            <a:fillRect/>
+          </a:stretch>
+        </p:blipFill>
+        <p:spPr>
+          <a:xfrm flipH="1">
+            <a:off x="10517093" y="110879"/>
+            <a:ext cx="1468078" cy="1468078"/>
+          </a:xfrm>
+          <a:prstGeom prst="rect">
+            <a:avLst/>
+          </a:prstGeom>
+        </p:spPr>
+      </p:pic>
+      <p:sp>
+        <p:nvSpPr>
+          <p:cNvPr id="7" name="Textfeld 6">
+            <a:extLst>
+              <a:ext uri="{FF2B5EF4-FFF2-40B4-BE49-F238E27FC236}">
+                <a16:creationId xmlns:a16="http://schemas.microsoft.com/office/drawing/2014/main" id="{D95F7504-686C-2D5B-EFF1-35655BB58345}"/>
+              </a:ext>
+            </a:extLst>
+          </p:cNvPr>
+          <p:cNvSpPr txBox="1"/>
+          <p:nvPr/>
+        </p:nvSpPr>
+        <p:spPr>
+          <a:xfrm>
+            <a:off x="11615057" y="6377789"/>
+            <a:ext cx="740228" cy="369332"/>
+          </a:xfrm>
+          <a:prstGeom prst="rect">
+            <a:avLst/>
+          </a:prstGeom>
+          <a:noFill/>
+        </p:spPr>
+        <p:txBody>
+          <a:bodyPr wrap="square" rtlCol="0">
+            <a:spAutoFit/>
+          </a:bodyPr>
+          <a:lstStyle/>
+          <a:p>
+            <a:r>
+              <a:rPr lang="de-CH" dirty="0"/>
+              <a:t>2</a:t>
+            </a:r>
+          </a:p>
+        </p:txBody>
+      </p:sp>
+    </p:spTree>
+    <p:extLst>
+      <p:ext uri="{BB962C8B-B14F-4D97-AF65-F5344CB8AC3E}">
+        <p14:creationId xmlns:p14="http://schemas.microsoft.com/office/powerpoint/2010/main" val="3981386250"/>
+      </p:ext>
+    </p:extLst>
+  </p:cSld>
+  <p:clrMapOvr>
+    <a:masterClrMapping/>
+  </p:clrMapOvr>
+  <mc:AlternateContent xmlns:mc="http://schemas.openxmlformats.org/markup-compatibility/2006">
+    <mc:Choice xmlns:p159="http://schemas.microsoft.com/office/powerpoint/2015/09/main" Requires="p159">
+      <p:transition xmlns:p14="http://schemas.microsoft.com/office/powerpoint/2010/main" spd="slow" p14:dur="2000">
+        <p159:morph option="byObject"/>
+      </p:transition>
+    </mc:Choice>
+    <mc:Fallback>
+      <p:transition spd="slow">
+        <p:fade/>
+      </p:transition>
+    </mc:Fallback>
+  </mc:AlternateContent>
+</p:sld>
+</file>
+
+<file path=ppt/slides/slide7.xml><?xml version="1.0" encoding="utf-8"?>
+<p:sld xmlns:a="http://schemas.openxmlformats.org/drawingml/2006/main" xmlns:r="http://schemas.openxmlformats.org/officeDocument/2006/relationships" xmlns:p="http://schemas.openxmlformats.org/presentationml/2006/main">
+  <p:cSld>
+    <p:spTree>
+      <p:nvGrpSpPr>
+        <p:cNvPr id="1" name="">
+          <a:extLst>
+            <a:ext uri="{FF2B5EF4-FFF2-40B4-BE49-F238E27FC236}">
               <a16:creationId xmlns:a16="http://schemas.microsoft.com/office/drawing/2014/main" id="{2304062D-0F28-5B70-9D1E-A9480073270C}"/>
             </a:ext>
           </a:extLst>
@@ -5447,7 +5899,12 @@
             <p:ph type="title"/>
           </p:nvPr>
         </p:nvSpPr>
-        <p:spPr/>
+        <p:spPr>
+          <a:xfrm>
+            <a:off x="735532" y="469845"/>
+            <a:ext cx="10515600" cy="1325563"/>
+          </a:xfrm>
+        </p:spPr>
         <p:txBody>
           <a:bodyPr/>
           <a:lstStyle/>
@@ -5477,15 +5934,348 @@
         </p:nvSpPr>
         <p:spPr>
           <a:xfrm>
-            <a:off x="796150" y="1825625"/>
+            <a:off x="735532" y="1392722"/>
             <a:ext cx="10515600" cy="4351338"/>
           </a:xfrm>
         </p:spPr>
         <p:txBody>
-          <a:bodyPr/>
+          <a:bodyPr>
+            <a:normAutofit/>
+          </a:bodyPr>
           <a:lstStyle/>
           <a:p>
-            <a:endParaRPr lang="de-CH" dirty="0"/>
+            <a:pPr marL="0" indent="0">
+              <a:buNone/>
+            </a:pPr>
+            <a:r>
+              <a:rPr lang="de-CH" sz="1800" dirty="0"/>
+              <a:t>Frage: </a:t>
+            </a:r>
+            <a:r>
+              <a:rPr lang="de-CH" sz="1800" dirty="0" err="1"/>
+              <a:t>What</a:t>
+            </a:r>
+            <a:r>
+              <a:rPr lang="de-CH" sz="1800" dirty="0"/>
+              <a:t> </a:t>
+            </a:r>
+            <a:r>
+              <a:rPr lang="de-CH" sz="1800" dirty="0" err="1"/>
+              <a:t>is</a:t>
+            </a:r>
+            <a:r>
+              <a:rPr lang="de-CH" sz="1800" dirty="0"/>
+              <a:t> </a:t>
+            </a:r>
+            <a:r>
+              <a:rPr lang="de-CH" sz="1800" dirty="0" err="1"/>
+              <a:t>the</a:t>
+            </a:r>
+            <a:r>
+              <a:rPr lang="de-CH" sz="1800" dirty="0"/>
+              <a:t> </a:t>
+            </a:r>
+            <a:r>
+              <a:rPr lang="de-CH" sz="1800" dirty="0" err="1"/>
+              <a:t>core</a:t>
+            </a:r>
+            <a:r>
+              <a:rPr lang="de-CH" sz="1800" dirty="0"/>
+              <a:t> </a:t>
+            </a:r>
+            <a:r>
+              <a:rPr lang="de-CH" sz="1800" dirty="0" err="1"/>
+              <a:t>concept</a:t>
+            </a:r>
+            <a:r>
+              <a:rPr lang="de-CH" sz="1800" dirty="0"/>
+              <a:t> </a:t>
+            </a:r>
+            <a:r>
+              <a:rPr lang="de-CH" sz="1800" dirty="0" err="1"/>
+              <a:t>of</a:t>
+            </a:r>
+            <a:r>
+              <a:rPr lang="de-CH" sz="1800" dirty="0"/>
+              <a:t> </a:t>
+            </a:r>
+            <a:r>
+              <a:rPr lang="de-CH" sz="1800" dirty="0" err="1"/>
+              <a:t>Explorative_Datenanalyse</a:t>
+            </a:r>
+            <a:r>
+              <a:rPr lang="de-CH" sz="1800" dirty="0"/>
+              <a:t>, </a:t>
+            </a:r>
+            <a:r>
+              <a:rPr lang="de-CH" sz="1800" dirty="0" err="1"/>
+              <a:t>focusing</a:t>
+            </a:r>
+            <a:r>
+              <a:rPr lang="de-CH" sz="1800" dirty="0"/>
+              <a:t> on </a:t>
+            </a:r>
+            <a:r>
+              <a:rPr lang="de-CH" sz="1800" dirty="0" err="1"/>
+              <a:t>data</a:t>
+            </a:r>
+            <a:r>
+              <a:rPr lang="de-CH" sz="1800" dirty="0"/>
+              <a:t> </a:t>
+            </a:r>
+            <a:r>
+              <a:rPr lang="de-CH" sz="1800" dirty="0" err="1"/>
+              <a:t>discovery</a:t>
+            </a:r>
+            <a:r>
+              <a:rPr lang="de-CH" sz="1800" dirty="0"/>
+              <a:t>?</a:t>
+            </a:r>
+          </a:p>
+          <a:p>
+            <a:pPr marL="0" indent="0">
+              <a:buNone/>
+            </a:pPr>
+            <a:r>
+              <a:rPr lang="de-CH" sz="1800" dirty="0"/>
+              <a:t>Antwort: </a:t>
+            </a:r>
+            <a:r>
+              <a:rPr lang="en-US" sz="1800" dirty="0" err="1"/>
+              <a:t>Explorative_Datenanalyse</a:t>
+            </a:r>
+            <a:r>
+              <a:rPr lang="en-US" sz="1800" dirty="0"/>
+              <a:t> involves uncovering insights through data exploration, focusing on understanding patterns.</a:t>
+            </a:r>
+            <a:endParaRPr lang="de-CH" sz="1800" dirty="0"/>
+          </a:p>
+          <a:p>
+            <a:pPr marL="0" indent="0">
+              <a:buNone/>
+            </a:pPr>
+            <a:r>
+              <a:rPr lang="de-CH" sz="1100" dirty="0">
+                <a:solidFill>
+                  <a:schemeClr val="tx2">
+                    <a:lumMod val="50000"/>
+                    <a:lumOff val="50000"/>
+                  </a:schemeClr>
+                </a:solidFill>
+              </a:rPr>
+              <a:t>rate01-50:555</a:t>
+            </a:r>
+          </a:p>
+          <a:p>
+            <a:pPr marL="0" indent="0">
+              <a:buNone/>
+            </a:pPr>
+            <a:r>
+              <a:rPr lang="en-US" sz="1100" dirty="0">
+                <a:solidFill>
+                  <a:schemeClr val="tx2">
+                    <a:lumMod val="50000"/>
+                    <a:lumOff val="50000"/>
+                  </a:schemeClr>
+                </a:solidFill>
+              </a:rPr>
+              <a:t>What is the core concept of </a:t>
+            </a:r>
+            <a:r>
+              <a:rPr lang="en-US" sz="1100" dirty="0" err="1">
+                <a:solidFill>
+                  <a:schemeClr val="tx2">
+                    <a:lumMod val="50000"/>
+                    <a:lumOff val="50000"/>
+                  </a:schemeClr>
+                </a:solidFill>
+              </a:rPr>
+              <a:t>Explorative_Datenanalyse</a:t>
+            </a:r>
+            <a:r>
+              <a:rPr lang="en-US" sz="1100" dirty="0">
+                <a:solidFill>
+                  <a:schemeClr val="tx2">
+                    <a:lumMod val="50000"/>
+                    <a:lumOff val="50000"/>
+                  </a:schemeClr>
+                </a:solidFill>
+              </a:rPr>
+              <a:t>, focusing on data discovery?</a:t>
+            </a:r>
+          </a:p>
+          <a:p>
+            <a:pPr marL="0" indent="0">
+              <a:buNone/>
+            </a:pPr>
+            <a:r>
+              <a:rPr lang="en-US" sz="1100" dirty="0">
+                <a:solidFill>
+                  <a:schemeClr val="tx2">
+                    <a:lumMod val="50000"/>
+                    <a:lumOff val="50000"/>
+                  </a:schemeClr>
+                </a:solidFill>
+              </a:rPr>
+              <a:t>**</a:t>
+            </a:r>
+            <a:r>
+              <a:rPr lang="en-US" sz="1100" dirty="0" err="1">
+                <a:solidFill>
+                  <a:schemeClr val="tx2">
+                    <a:lumMod val="50000"/>
+                    <a:lumOff val="50000"/>
+                  </a:schemeClr>
+                </a:solidFill>
+              </a:rPr>
+              <a:t>Explorative_Datenanalyse</a:t>
+            </a:r>
+            <a:r>
+              <a:rPr lang="en-US" sz="1100" dirty="0">
+                <a:solidFill>
+                  <a:schemeClr val="tx2">
+                    <a:lumMod val="50000"/>
+                    <a:lumOff val="50000"/>
+                  </a:schemeClr>
+                </a:solidFill>
+              </a:rPr>
+              <a:t>** is a research area that focuses on the **discovery of patterns and relationships** in **unstructured and semi-structured data**. This involves a **multi-step process** that includes data cleaning, data transformation, data exploration, and data mining. …</a:t>
+            </a:r>
+          </a:p>
+          <a:p>
+            <a:pPr marL="0" indent="0">
+              <a:buNone/>
+            </a:pPr>
+            <a:r>
+              <a:rPr lang="de-CH" sz="1100" dirty="0">
+                <a:solidFill>
+                  <a:srgbClr val="FF0000"/>
+                </a:solidFill>
+              </a:rPr>
+              <a:t>rate2e-4-500:</a:t>
+            </a:r>
+          </a:p>
+          <a:p>
+            <a:pPr marL="0" indent="0">
+              <a:buNone/>
+            </a:pPr>
+            <a:r>
+              <a:rPr lang="en-US" sz="1100" dirty="0">
+                <a:solidFill>
+                  <a:srgbClr val="FF0000"/>
+                </a:solidFill>
+              </a:rPr>
+              <a:t>What is the core concept of </a:t>
+            </a:r>
+            <a:r>
+              <a:rPr lang="en-US" sz="1100" dirty="0" err="1">
+                <a:solidFill>
+                  <a:srgbClr val="FF0000"/>
+                </a:solidFill>
+              </a:rPr>
+              <a:t>Explorative_Datenanalyse</a:t>
+            </a:r>
+            <a:r>
+              <a:rPr lang="en-US" sz="1100" dirty="0">
+                <a:solidFill>
+                  <a:srgbClr val="FF0000"/>
+                </a:solidFill>
+              </a:rPr>
+              <a:t>, focusing on data discovery?</a:t>
+            </a:r>
+          </a:p>
+          <a:p>
+            <a:pPr marL="0" indent="0">
+              <a:buNone/>
+            </a:pPr>
+            <a:r>
+              <a:rPr lang="en-US" sz="1100" dirty="0">
+                <a:solidFill>
+                  <a:srgbClr val="FF0000"/>
+                </a:solidFill>
+              </a:rPr>
+              <a:t>**</a:t>
+            </a:r>
+            <a:r>
+              <a:rPr lang="en-US" sz="1100" dirty="0" err="1">
+                <a:solidFill>
+                  <a:srgbClr val="FF0000"/>
+                </a:solidFill>
+              </a:rPr>
+              <a:t>Explorative_Datenanalyse</a:t>
+            </a:r>
+            <a:r>
+              <a:rPr lang="en-US" sz="1100" dirty="0">
+                <a:solidFill>
+                  <a:srgbClr val="FF0000"/>
+                </a:solidFill>
+              </a:rPr>
+              <a:t>** is a data science approach that focuses on **uncovering and understanding data** through a **creative and iterative process**. It emphasizes the **discovery of patterns and relationships** in data, rather than just analyzing pre-defined variables or hypotheses…..</a:t>
+            </a:r>
+          </a:p>
+          <a:p>
+            <a:pPr marL="0" indent="0">
+              <a:buNone/>
+            </a:pPr>
+            <a:r>
+              <a:rPr lang="de-CH" sz="1100" dirty="0">
+                <a:solidFill>
+                  <a:schemeClr val="accent3">
+                    <a:lumMod val="60000"/>
+                    <a:lumOff val="40000"/>
+                  </a:schemeClr>
+                </a:solidFill>
+              </a:rPr>
+              <a:t>rate2-2-10’000:</a:t>
+            </a:r>
+          </a:p>
+          <a:p>
+            <a:pPr marL="0" indent="0">
+              <a:buNone/>
+            </a:pPr>
+            <a:r>
+              <a:rPr lang="en-US" sz="1100" dirty="0">
+                <a:solidFill>
+                  <a:schemeClr val="accent3">
+                    <a:lumMod val="60000"/>
+                    <a:lumOff val="40000"/>
+                  </a:schemeClr>
+                </a:solidFill>
+              </a:rPr>
+              <a:t>What is the core concept of </a:t>
+            </a:r>
+            <a:r>
+              <a:rPr lang="en-US" sz="1100" dirty="0" err="1">
+                <a:solidFill>
+                  <a:schemeClr val="accent3">
+                    <a:lumMod val="60000"/>
+                    <a:lumOff val="40000"/>
+                  </a:schemeClr>
+                </a:solidFill>
+              </a:rPr>
+              <a:t>Explorative_Datenanalyse</a:t>
+            </a:r>
+            <a:r>
+              <a:rPr lang="en-US" sz="1100" dirty="0">
+                <a:solidFill>
+                  <a:schemeClr val="accent3">
+                    <a:lumMod val="60000"/>
+                    <a:lumOff val="40000"/>
+                  </a:schemeClr>
+                </a:solidFill>
+              </a:rPr>
+              <a:t>, focusing on data discovery?</a:t>
+            </a:r>
+          </a:p>
+          <a:p>
+            <a:pPr marL="0" indent="0">
+              <a:buNone/>
+            </a:pPr>
+            <a:endParaRPr lang="en-US" sz="1100" dirty="0">
+              <a:solidFill>
+                <a:srgbClr val="FF0000"/>
+              </a:solidFill>
+            </a:endParaRPr>
           </a:p>
         </p:txBody>
       </p:sp>
@@ -5632,6 +6422,53 @@
           </a:p>
         </p:txBody>
       </p:sp>
+      <p:pic>
+        <p:nvPicPr>
+          <p:cNvPr id="1030" name="Picture 6" descr="Weights &amp; Biases | Saturn Cloud">
+            <a:extLst>
+              <a:ext uri="{FF2B5EF4-FFF2-40B4-BE49-F238E27FC236}">
+                <a16:creationId xmlns:a16="http://schemas.microsoft.com/office/drawing/2014/main" id="{70829DAE-8350-164A-EC5B-11FB14630EE8}"/>
+              </a:ext>
+            </a:extLst>
+          </p:cNvPr>
+          <p:cNvPicPr>
+            <a:picLocks noChangeAspect="1" noChangeArrowheads="1"/>
+          </p:cNvPicPr>
+          <p:nvPr/>
+        </p:nvPicPr>
+        <p:blipFill>
+          <a:blip r:embed="rId6">
+            <a:extLst>
+              <a:ext uri="{28A0092B-C50C-407E-A947-70E740481C1C}">
+                <a14:useLocalDpi xmlns:a14="http://schemas.microsoft.com/office/drawing/2010/main" val="0"/>
+              </a:ext>
+            </a:extLst>
+          </a:blip>
+          <a:srcRect/>
+          <a:stretch>
+            <a:fillRect/>
+          </a:stretch>
+        </p:blipFill>
+        <p:spPr bwMode="auto">
+          <a:xfrm>
+            <a:off x="8894371" y="5557824"/>
+            <a:ext cx="2417379" cy="619139"/>
+          </a:xfrm>
+          <a:prstGeom prst="rect">
+            <a:avLst/>
+          </a:prstGeom>
+          <a:noFill/>
+          <a:extLst>
+            <a:ext uri="{909E8E84-426E-40DD-AFC4-6F175D3DCCD1}">
+              <a14:hiddenFill xmlns:a14="http://schemas.microsoft.com/office/drawing/2010/main">
+                <a:solidFill>
+                  <a:srgbClr val="FFFFFF"/>
+                </a:solidFill>
+              </a14:hiddenFill>
+            </a:ext>
+          </a:extLst>
+        </p:spPr>
+      </p:pic>
     </p:spTree>
     <p:extLst>
       <p:ext uri="{BB962C8B-B14F-4D97-AF65-F5344CB8AC3E}">
@@ -5657,7 +6494,7 @@
 </p:sld>
 </file>
 
-<file path=ppt/slides/slide7.xml><?xml version="1.0" encoding="utf-8"?>
+<file path=ppt/slides/slide8.xml><?xml version="1.0" encoding="utf-8"?>
 <p:sld xmlns:a="http://schemas.openxmlformats.org/drawingml/2006/main" xmlns:r="http://schemas.openxmlformats.org/officeDocument/2006/relationships" xmlns:p="http://schemas.openxmlformats.org/presentationml/2006/main">
   <p:cSld>
     <p:spTree>
@@ -6013,7 +6850,7 @@
 </p:sld>
 </file>
 
-<file path=ppt/slides/slide8.xml><?xml version="1.0" encoding="utf-8"?>
+<file path=ppt/slides/slide9.xml><?xml version="1.0" encoding="utf-8"?>
 <p:sld xmlns:a="http://schemas.openxmlformats.org/drawingml/2006/main" xmlns:r="http://schemas.openxmlformats.org/officeDocument/2006/relationships" xmlns:p="http://schemas.openxmlformats.org/presentationml/2006/main">
   <p:cSld>
     <p:spTree>

--- a/project_resources/Final_Presentation/Bytementor_Final_Presentation.pptx
+++ b/project_resources/Final_Presentation/Bytementor_Final_Presentation.pptx
@@ -205,7 +205,7 @@
           <a:p>
             <a:fld id="{146289C5-459A-40CF-9518-C2B483D7EE91}" type="datetimeFigureOut">
               <a:rPr lang="de-CH" smtClean="0"/>
-              <a:t>11.05.2025</a:t>
+              <a:t>14.05.2025</a:t>
             </a:fld>
             <a:endParaRPr lang="de-CH"/>
           </a:p>
@@ -721,7 +721,7 @@
           <a:p>
             <a:fld id="{FE22576C-7E93-421B-9883-5ECF7E3BA13F}" type="datetimeFigureOut">
               <a:rPr lang="de-CH" smtClean="0"/>
-              <a:t>11.05.2025</a:t>
+              <a:t>14.05.2025</a:t>
             </a:fld>
             <a:endParaRPr lang="de-CH"/>
           </a:p>
@@ -921,7 +921,7 @@
           <a:p>
             <a:fld id="{FE22576C-7E93-421B-9883-5ECF7E3BA13F}" type="datetimeFigureOut">
               <a:rPr lang="de-CH" smtClean="0"/>
-              <a:t>11.05.2025</a:t>
+              <a:t>14.05.2025</a:t>
             </a:fld>
             <a:endParaRPr lang="de-CH"/>
           </a:p>
@@ -1131,7 +1131,7 @@
           <a:p>
             <a:fld id="{FE22576C-7E93-421B-9883-5ECF7E3BA13F}" type="datetimeFigureOut">
               <a:rPr lang="de-CH" smtClean="0"/>
-              <a:t>11.05.2025</a:t>
+              <a:t>14.05.2025</a:t>
             </a:fld>
             <a:endParaRPr lang="de-CH"/>
           </a:p>
@@ -1331,7 +1331,7 @@
           <a:p>
             <a:fld id="{FE22576C-7E93-421B-9883-5ECF7E3BA13F}" type="datetimeFigureOut">
               <a:rPr lang="de-CH" smtClean="0"/>
-              <a:t>11.05.2025</a:t>
+              <a:t>14.05.2025</a:t>
             </a:fld>
             <a:endParaRPr lang="de-CH"/>
           </a:p>
@@ -1607,7 +1607,7 @@
           <a:p>
             <a:fld id="{FE22576C-7E93-421B-9883-5ECF7E3BA13F}" type="datetimeFigureOut">
               <a:rPr lang="de-CH" smtClean="0"/>
-              <a:t>11.05.2025</a:t>
+              <a:t>14.05.2025</a:t>
             </a:fld>
             <a:endParaRPr lang="de-CH"/>
           </a:p>
@@ -1875,7 +1875,7 @@
           <a:p>
             <a:fld id="{FE22576C-7E93-421B-9883-5ECF7E3BA13F}" type="datetimeFigureOut">
               <a:rPr lang="de-CH" smtClean="0"/>
-              <a:t>11.05.2025</a:t>
+              <a:t>14.05.2025</a:t>
             </a:fld>
             <a:endParaRPr lang="de-CH"/>
           </a:p>
@@ -2290,7 +2290,7 @@
           <a:p>
             <a:fld id="{FE22576C-7E93-421B-9883-5ECF7E3BA13F}" type="datetimeFigureOut">
               <a:rPr lang="de-CH" smtClean="0"/>
-              <a:t>11.05.2025</a:t>
+              <a:t>14.05.2025</a:t>
             </a:fld>
             <a:endParaRPr lang="de-CH"/>
           </a:p>
@@ -2432,7 +2432,7 @@
           <a:p>
             <a:fld id="{FE22576C-7E93-421B-9883-5ECF7E3BA13F}" type="datetimeFigureOut">
               <a:rPr lang="de-CH" smtClean="0"/>
-              <a:t>11.05.2025</a:t>
+              <a:t>14.05.2025</a:t>
             </a:fld>
             <a:endParaRPr lang="de-CH"/>
           </a:p>
@@ -2545,7 +2545,7 @@
           <a:p>
             <a:fld id="{FE22576C-7E93-421B-9883-5ECF7E3BA13F}" type="datetimeFigureOut">
               <a:rPr lang="de-CH" smtClean="0"/>
-              <a:t>11.05.2025</a:t>
+              <a:t>14.05.2025</a:t>
             </a:fld>
             <a:endParaRPr lang="de-CH"/>
           </a:p>
@@ -2858,7 +2858,7 @@
           <a:p>
             <a:fld id="{FE22576C-7E93-421B-9883-5ECF7E3BA13F}" type="datetimeFigureOut">
               <a:rPr lang="de-CH" smtClean="0"/>
-              <a:t>11.05.2025</a:t>
+              <a:t>14.05.2025</a:t>
             </a:fld>
             <a:endParaRPr lang="de-CH"/>
           </a:p>
@@ -3147,7 +3147,7 @@
           <a:p>
             <a:fld id="{FE22576C-7E93-421B-9883-5ECF7E3BA13F}" type="datetimeFigureOut">
               <a:rPr lang="de-CH" smtClean="0"/>
-              <a:t>11.05.2025</a:t>
+              <a:t>14.05.2025</a:t>
             </a:fld>
             <a:endParaRPr lang="de-CH"/>
           </a:p>
@@ -3390,7 +3390,7 @@
           <a:p>
             <a:fld id="{FE22576C-7E93-421B-9883-5ECF7E3BA13F}" type="datetimeFigureOut">
               <a:rPr lang="de-CH" smtClean="0"/>
-              <a:t>11.05.2025</a:t>
+              <a:t>14.05.2025</a:t>
             </a:fld>
             <a:endParaRPr lang="de-CH"/>
           </a:p>
@@ -4531,7 +4531,7 @@
           <a:p>
             <a:r>
               <a:rPr lang="de-CH" dirty="0"/>
-              <a:t>2</a:t>
+              <a:t>3</a:t>
             </a:r>
           </a:p>
         </p:txBody>
@@ -4937,7 +4937,7 @@
           <a:p>
             <a:r>
               <a:rPr lang="de-CH" dirty="0"/>
-              <a:t>2</a:t>
+              <a:t>4</a:t>
             </a:r>
           </a:p>
         </p:txBody>
@@ -5334,7 +5334,7 @@
           <a:p>
             <a:r>
               <a:rPr lang="de-CH" dirty="0"/>
-              <a:t>2</a:t>
+              <a:t>5</a:t>
             </a:r>
           </a:p>
         </p:txBody>
@@ -5830,7 +5830,7 @@
           <a:p>
             <a:r>
               <a:rPr lang="de-CH" dirty="0"/>
-              <a:t>2</a:t>
+              <a:t>6</a:t>
             </a:r>
           </a:p>
         </p:txBody>
@@ -5845,13 +5845,13 @@
   <p:clrMapOvr>
     <a:masterClrMapping/>
   </p:clrMapOvr>
-  <mc:AlternateContent xmlns:mc="http://schemas.openxmlformats.org/markup-compatibility/2006">
-    <mc:Choice xmlns:p159="http://schemas.microsoft.com/office/powerpoint/2015/09/main" Requires="p159">
+  <mc:AlternateContent xmlns:mc="http://schemas.openxmlformats.org/markup-compatibility/2006" xmlns:p159="http://schemas.microsoft.com/office/powerpoint/2015/09/main">
+    <mc:Choice Requires="p159">
       <p:transition xmlns:p14="http://schemas.microsoft.com/office/powerpoint/2010/main" spd="slow" p14:dur="2000">
         <p159:morph option="byObject"/>
       </p:transition>
     </mc:Choice>
-    <mc:Fallback>
+    <mc:Fallback xmlns="">
       <p:transition spd="slow">
         <p:fade/>
       </p:transition>
@@ -6417,7 +6417,7 @@
           <a:p>
             <a:r>
               <a:rPr lang="de-CH" dirty="0"/>
-              <a:t>2</a:t>
+              <a:t>7</a:t>
             </a:r>
           </a:p>
         </p:txBody>
@@ -6820,7 +6820,7 @@
           <a:p>
             <a:r>
               <a:rPr lang="de-CH" dirty="0"/>
-              <a:t>2</a:t>
+              <a:t>8</a:t>
             </a:r>
           </a:p>
         </p:txBody>
@@ -7071,9 +7071,10 @@
           <a:lstStyle/>
           <a:p>
             <a:r>
-              <a:rPr lang="de-CH" dirty="0"/>
-              <a:t>2</a:t>
-            </a:r>
+              <a:rPr lang="de-CH"/>
+              <a:t>9</a:t>
+            </a:r>
+            <a:endParaRPr lang="de-CH" dirty="0"/>
           </a:p>
         </p:txBody>
       </p:sp>

--- a/project_resources/Final_Presentation/Bytementor_Final_Presentation.pptx
+++ b/project_resources/Final_Presentation/Bytementor_Final_Presentation.pptx
@@ -205,7 +205,7 @@
           <a:p>
             <a:fld id="{146289C5-459A-40CF-9518-C2B483D7EE91}" type="datetimeFigureOut">
               <a:rPr lang="de-CH" smtClean="0"/>
-              <a:t>11.05.2025</a:t>
+              <a:t>13.05.2025</a:t>
             </a:fld>
             <a:endParaRPr lang="de-CH"/>
           </a:p>
@@ -721,7 +721,7 @@
           <a:p>
             <a:fld id="{FE22576C-7E93-421B-9883-5ECF7E3BA13F}" type="datetimeFigureOut">
               <a:rPr lang="de-CH" smtClean="0"/>
-              <a:t>11.05.2025</a:t>
+              <a:t>13.05.2025</a:t>
             </a:fld>
             <a:endParaRPr lang="de-CH"/>
           </a:p>
@@ -921,7 +921,7 @@
           <a:p>
             <a:fld id="{FE22576C-7E93-421B-9883-5ECF7E3BA13F}" type="datetimeFigureOut">
               <a:rPr lang="de-CH" smtClean="0"/>
-              <a:t>11.05.2025</a:t>
+              <a:t>13.05.2025</a:t>
             </a:fld>
             <a:endParaRPr lang="de-CH"/>
           </a:p>
@@ -1131,7 +1131,7 @@
           <a:p>
             <a:fld id="{FE22576C-7E93-421B-9883-5ECF7E3BA13F}" type="datetimeFigureOut">
               <a:rPr lang="de-CH" smtClean="0"/>
-              <a:t>11.05.2025</a:t>
+              <a:t>13.05.2025</a:t>
             </a:fld>
             <a:endParaRPr lang="de-CH"/>
           </a:p>
@@ -1331,7 +1331,7 @@
           <a:p>
             <a:fld id="{FE22576C-7E93-421B-9883-5ECF7E3BA13F}" type="datetimeFigureOut">
               <a:rPr lang="de-CH" smtClean="0"/>
-              <a:t>11.05.2025</a:t>
+              <a:t>13.05.2025</a:t>
             </a:fld>
             <a:endParaRPr lang="de-CH"/>
           </a:p>
@@ -1607,7 +1607,7 @@
           <a:p>
             <a:fld id="{FE22576C-7E93-421B-9883-5ECF7E3BA13F}" type="datetimeFigureOut">
               <a:rPr lang="de-CH" smtClean="0"/>
-              <a:t>11.05.2025</a:t>
+              <a:t>13.05.2025</a:t>
             </a:fld>
             <a:endParaRPr lang="de-CH"/>
           </a:p>
@@ -1875,7 +1875,7 @@
           <a:p>
             <a:fld id="{FE22576C-7E93-421B-9883-5ECF7E3BA13F}" type="datetimeFigureOut">
               <a:rPr lang="de-CH" smtClean="0"/>
-              <a:t>11.05.2025</a:t>
+              <a:t>13.05.2025</a:t>
             </a:fld>
             <a:endParaRPr lang="de-CH"/>
           </a:p>
@@ -2290,7 +2290,7 @@
           <a:p>
             <a:fld id="{FE22576C-7E93-421B-9883-5ECF7E3BA13F}" type="datetimeFigureOut">
               <a:rPr lang="de-CH" smtClean="0"/>
-              <a:t>11.05.2025</a:t>
+              <a:t>13.05.2025</a:t>
             </a:fld>
             <a:endParaRPr lang="de-CH"/>
           </a:p>
@@ -2432,7 +2432,7 @@
           <a:p>
             <a:fld id="{FE22576C-7E93-421B-9883-5ECF7E3BA13F}" type="datetimeFigureOut">
               <a:rPr lang="de-CH" smtClean="0"/>
-              <a:t>11.05.2025</a:t>
+              <a:t>13.05.2025</a:t>
             </a:fld>
             <a:endParaRPr lang="de-CH"/>
           </a:p>
@@ -2545,7 +2545,7 @@
           <a:p>
             <a:fld id="{FE22576C-7E93-421B-9883-5ECF7E3BA13F}" type="datetimeFigureOut">
               <a:rPr lang="de-CH" smtClean="0"/>
-              <a:t>11.05.2025</a:t>
+              <a:t>13.05.2025</a:t>
             </a:fld>
             <a:endParaRPr lang="de-CH"/>
           </a:p>
@@ -2858,7 +2858,7 @@
           <a:p>
             <a:fld id="{FE22576C-7E93-421B-9883-5ECF7E3BA13F}" type="datetimeFigureOut">
               <a:rPr lang="de-CH" smtClean="0"/>
-              <a:t>11.05.2025</a:t>
+              <a:t>13.05.2025</a:t>
             </a:fld>
             <a:endParaRPr lang="de-CH"/>
           </a:p>
@@ -3147,7 +3147,7 @@
           <a:p>
             <a:fld id="{FE22576C-7E93-421B-9883-5ECF7E3BA13F}" type="datetimeFigureOut">
               <a:rPr lang="de-CH" smtClean="0"/>
-              <a:t>11.05.2025</a:t>
+              <a:t>13.05.2025</a:t>
             </a:fld>
             <a:endParaRPr lang="de-CH"/>
           </a:p>
@@ -3390,7 +3390,7 @@
           <a:p>
             <a:fld id="{FE22576C-7E93-421B-9883-5ECF7E3BA13F}" type="datetimeFigureOut">
               <a:rPr lang="de-CH" smtClean="0"/>
-              <a:t>11.05.2025</a:t>
+              <a:t>13.05.2025</a:t>
             </a:fld>
             <a:endParaRPr lang="de-CH"/>
           </a:p>
@@ -5366,7 +5366,7 @@
         </p:blipFill>
         <p:spPr bwMode="auto">
           <a:xfrm>
-            <a:off x="5025806" y="4001294"/>
+            <a:off x="5045976" y="4001294"/>
             <a:ext cx="6101787" cy="2078215"/>
           </a:xfrm>
           <a:prstGeom prst="rect">
@@ -5845,13 +5845,13 @@
   <p:clrMapOvr>
     <a:masterClrMapping/>
   </p:clrMapOvr>
-  <mc:AlternateContent xmlns:mc="http://schemas.openxmlformats.org/markup-compatibility/2006">
-    <mc:Choice xmlns:p159="http://schemas.microsoft.com/office/powerpoint/2015/09/main" Requires="p159">
+  <mc:AlternateContent xmlns:mc="http://schemas.openxmlformats.org/markup-compatibility/2006" xmlns:p159="http://schemas.microsoft.com/office/powerpoint/2015/09/main">
+    <mc:Choice Requires="p159">
       <p:transition xmlns:p14="http://schemas.microsoft.com/office/powerpoint/2010/main" spd="slow" p14:dur="2000">
         <p159:morph option="byObject"/>
       </p:transition>
     </mc:Choice>
-    <mc:Fallback>
+    <mc:Fallback xmlns="">
       <p:transition spd="slow">
         <p:fade/>
       </p:transition>
@@ -6063,7 +6063,7 @@
                   </a:schemeClr>
                 </a:solidFill>
               </a:rPr>
-              <a:t>rate01-50:555</a:t>
+              <a:t>rate01-50:</a:t>
             </a:r>
           </a:p>
           <a:p>
